--- a/img/Get-CrmSdk-Logo.pptx
+++ b/img/Get-CrmSdk-Logo.pptx
@@ -104,6 +104,11 @@
       </a:defRPr>
     </a:lvl9pPr>
   </p:defaultTextStyle>
+  <p:extLst>
+    <p:ext uri="{EFAFB233-063F-42B5-8137-9DF3F51BA10A}">
+      <p15:sldGuideLst xmlns:p15="http://schemas.microsoft.com/office/powerpoint/2012/main"/>
+    </p:ext>
+  </p:extLst>
 </p:presentation>
 </file>
 
@@ -3335,7 +3340,7 @@
         </p:nvSpPr>
         <p:spPr>
           <a:xfrm>
-            <a:off x="952499" y="782090"/>
+            <a:off x="2811983" y="886417"/>
             <a:ext cx="5817177" cy="1620982"/>
           </a:xfrm>
           <a:prstGeom prst="roundRect">
@@ -3394,7 +3399,7 @@
         </p:blipFill>
         <p:spPr bwMode="auto">
           <a:xfrm>
-            <a:off x="2077315" y="1070885"/>
+            <a:off x="3936799" y="1175212"/>
             <a:ext cx="3431598" cy="1043391"/>
           </a:xfrm>
           <a:prstGeom prst="rect">
@@ -3441,7 +3446,7 @@
         </p:blipFill>
         <p:spPr bwMode="auto">
           <a:xfrm>
-            <a:off x="1704975" y="2498699"/>
+            <a:off x="3564459" y="2603026"/>
             <a:ext cx="1853045" cy="428999"/>
           </a:xfrm>
           <a:prstGeom prst="rect">
@@ -3488,7 +3493,7 @@
         </p:blipFill>
         <p:spPr bwMode="auto">
           <a:xfrm>
-            <a:off x="-140277" y="443614"/>
+            <a:off x="1662062" y="547941"/>
             <a:ext cx="2339686" cy="2339686"/>
           </a:xfrm>
           <a:prstGeom prst="rect">
@@ -3535,7 +3540,7 @@
         </p:blipFill>
         <p:spPr bwMode="auto">
           <a:xfrm>
-            <a:off x="6340676" y="2498698"/>
+            <a:off x="8200160" y="2603025"/>
             <a:ext cx="429000" cy="429000"/>
           </a:xfrm>
           <a:prstGeom prst="rect">
@@ -3567,7 +3572,7 @@
         </p:nvSpPr>
         <p:spPr>
           <a:xfrm>
-            <a:off x="5050451" y="2528532"/>
+            <a:off x="6909935" y="2632859"/>
             <a:ext cx="1290225" cy="369332"/>
           </a:xfrm>
           <a:prstGeom prst="rect">
